--- a/Presentacion Library Manager - David Beamonde.pptx
+++ b/Presentacion Library Manager - David Beamonde.pptx
@@ -6382,25 +6382,7 @@
             </a:pPr>
             <a:r>
               <a:rPr lang="es-ES" dirty="0"/>
-              <a:t>La página web de la aplicación es un complemento que permite a los usuarios aprender a usar la aplicación correctamente.</a:t>
-            </a:r>
-          </a:p>
-          <a:p>
-            <a:pPr marL="0" indent="0" algn="just">
-              <a:buNone/>
-            </a:pPr>
-            <a:r>
-              <a:rPr lang="es-ES" dirty="0"/>
-              <a:t>En ella se muestra una guía de instalación, un apartado de documentación y otro como guía de uso.</a:t>
-            </a:r>
-          </a:p>
-          <a:p>
-            <a:pPr marL="0" indent="0" algn="just">
-              <a:buNone/>
-            </a:pPr>
-            <a:r>
-              <a:rPr lang="es-ES" dirty="0"/>
-              <a:t>También se puede ver diferentes proyectos en los que he trabajado y lenguajes y herramientas utilizadas en ellos.</a:t>
+              <a:t>La página web es un complemento que permite a los usuarios aprender a usar la aplicación correctamente. En ella se muestra un apartado de documentación y otro apartado como guía de uso.</a:t>
             </a:r>
           </a:p>
         </p:txBody>
@@ -6428,8 +6410,8 @@
         </p:blipFill>
         <p:spPr>
           <a:xfrm>
-            <a:off x="7574286" y="3873259"/>
-            <a:ext cx="4361798" cy="2797887"/>
+            <a:off x="5508170" y="2973887"/>
+            <a:ext cx="5763884" cy="3697259"/>
           </a:xfrm>
           <a:prstGeom prst="rect">
             <a:avLst/>
@@ -6899,29 +6881,111 @@
             </a:pPr>
             <a:r>
               <a:rPr lang="es-ES" dirty="0"/>
-              <a:t>La elección de esta temática surge de la necesidad real de tener un control más preciso sobre los libros prestados.</a:t>
+              <a:t>Al ser un proyecto cercano y personal, me dio ganas de realizarlo.</a:t>
             </a:r>
           </a:p>
           <a:p>
             <a:pPr marL="0" indent="0">
               <a:buNone/>
             </a:pPr>
-            <a:r>
-              <a:rPr lang="es-ES" dirty="0"/>
-              <a:t>Muchas bibliotecas, especialmente las pequeñas o independientes, aún gestionan sus inventarios de forma manual, lo que puede dar lugar a pérdidas de datos, duplicaciones o desorganización.</a:t>
-            </a:r>
-          </a:p>
-          <a:p>
-            <a:pPr marL="0" indent="0">
-              <a:buNone/>
-            </a:pPr>
-            <a:r>
-              <a:rPr lang="es-ES" dirty="0"/>
-              <a:t>Además, al ser un proyecto cercano y personal, me dio ganas de realizarlo.</a:t>
-            </a:r>
-          </a:p>
-        </p:txBody>
-      </p:sp>
+            <a:endParaRPr lang="es-ES" dirty="0"/>
+          </a:p>
+        </p:txBody>
+      </p:sp>
+      <p:pic>
+        <p:nvPicPr>
+          <p:cNvPr id="1026" name="Picture 2" descr="Más de 2 000 imágenes gratis de Motivación y Éxito - Pixabay">
+            <a:extLst>
+              <a:ext uri="{FF2B5EF4-FFF2-40B4-BE49-F238E27FC236}">
+                <a16:creationId xmlns:a16="http://schemas.microsoft.com/office/drawing/2014/main" id="{FA2E1449-1E68-D92F-ECDC-212C8966051A}"/>
+              </a:ext>
+            </a:extLst>
+          </p:cNvPr>
+          <p:cNvPicPr>
+            <a:picLocks noChangeAspect="1" noChangeArrowheads="1"/>
+          </p:cNvPicPr>
+          <p:nvPr/>
+        </p:nvPicPr>
+        <p:blipFill>
+          <a:blip r:embed="rId2">
+            <a:extLst>
+              <a:ext uri="{28A0092B-C50C-407E-A947-70E740481C1C}">
+                <a14:useLocalDpi xmlns:a14="http://schemas.microsoft.com/office/drawing/2010/main" val="0"/>
+              </a:ext>
+            </a:extLst>
+          </a:blip>
+          <a:srcRect/>
+          <a:stretch>
+            <a:fillRect/>
+          </a:stretch>
+        </p:blipFill>
+        <p:spPr bwMode="auto">
+          <a:xfrm>
+            <a:off x="8959725" y="4050552"/>
+            <a:ext cx="2752165" cy="2752165"/>
+          </a:xfrm>
+          <a:prstGeom prst="rect">
+            <a:avLst/>
+          </a:prstGeom>
+          <a:noFill/>
+          <a:extLst>
+            <a:ext uri="{909E8E84-426E-40DD-AFC4-6F175D3DCCD1}">
+              <a14:hiddenFill xmlns:a14="http://schemas.microsoft.com/office/drawing/2010/main">
+                <a:solidFill>
+                  <a:srgbClr val="FFFFFF"/>
+                </a:solidFill>
+              </a14:hiddenFill>
+            </a:ext>
+          </a:extLst>
+        </p:spPr>
+      </p:pic>
+      <p:pic>
+        <p:nvPicPr>
+          <p:cNvPr id="1028" name="Picture 4" descr="LA MOTIVACIÓN: DE LA MOTIVACIÓN INTRÍNSECA A LA EXTRÍNSECA | Dibuja tu  mundo-Crea tu vida">
+            <a:extLst>
+              <a:ext uri="{FF2B5EF4-FFF2-40B4-BE49-F238E27FC236}">
+                <a16:creationId xmlns:a16="http://schemas.microsoft.com/office/drawing/2014/main" id="{49C2F426-CF90-1901-5823-F107269D26E0}"/>
+              </a:ext>
+            </a:extLst>
+          </p:cNvPr>
+          <p:cNvPicPr>
+            <a:picLocks noChangeAspect="1" noChangeArrowheads="1"/>
+          </p:cNvPicPr>
+          <p:nvPr/>
+        </p:nvPicPr>
+        <p:blipFill>
+          <a:blip r:embed="rId3">
+            <a:extLst>
+              <a:ext uri="{28A0092B-C50C-407E-A947-70E740481C1C}">
+                <a14:useLocalDpi xmlns:a14="http://schemas.microsoft.com/office/drawing/2010/main" val="0"/>
+              </a:ext>
+            </a:extLst>
+          </a:blip>
+          <a:srcRect/>
+          <a:stretch>
+            <a:fillRect/>
+          </a:stretch>
+        </p:blipFill>
+        <p:spPr bwMode="auto">
+          <a:xfrm>
+            <a:off x="677334" y="3707527"/>
+            <a:ext cx="3202641" cy="3238626"/>
+          </a:xfrm>
+          <a:prstGeom prst="rect">
+            <a:avLst/>
+          </a:prstGeom>
+          <a:noFill/>
+          <a:extLst>
+            <a:ext uri="{909E8E84-426E-40DD-AFC4-6F175D3DCCD1}">
+              <a14:hiddenFill xmlns:a14="http://schemas.microsoft.com/office/drawing/2010/main">
+                <a:solidFill>
+                  <a:srgbClr val="FFFFFF"/>
+                </a:solidFill>
+              </a14:hiddenFill>
+            </a:ext>
+          </a:extLst>
+        </p:spPr>
+      </p:pic>
     </p:spTree>
     <p:extLst>
       <p:ext uri="{BB962C8B-B14F-4D97-AF65-F5344CB8AC3E}">
@@ -8017,57 +8081,6 @@
           </a:p>
         </p:txBody>
       </p:sp>
-      <p:sp>
-        <p:nvSpPr>
-          <p:cNvPr id="3" name="Marcador de contenido 2">
-            <a:extLst>
-              <a:ext uri="{FF2B5EF4-FFF2-40B4-BE49-F238E27FC236}">
-                <a16:creationId xmlns:a16="http://schemas.microsoft.com/office/drawing/2014/main" id="{54F96299-4C80-AFF8-40D5-DD5663223E4B}"/>
-              </a:ext>
-            </a:extLst>
-          </p:cNvPr>
-          <p:cNvSpPr>
-            <a:spLocks noGrp="1"/>
-          </p:cNvSpPr>
-          <p:nvPr>
-            <p:ph idx="1"/>
-          </p:nvPr>
-        </p:nvSpPr>
-        <p:spPr>
-          <a:xfrm>
-            <a:off x="677333" y="2160589"/>
-            <a:ext cx="7008803" cy="3880773"/>
-          </a:xfrm>
-        </p:spPr>
-        <p:txBody>
-          <a:bodyPr/>
-          <a:lstStyle/>
-          <a:p>
-            <a:pPr marL="0" indent="0" algn="just">
-              <a:buNone/>
-            </a:pPr>
-            <a:r>
-              <a:rPr lang="es-ES" dirty="0"/>
-              <a:t>Una interfaz bien diseñada facilita la navegación y el uso eficiente de la aplicación. También mejora la experiencia del usuario al presentar la información de manera clara y ordenada.</a:t>
-            </a:r>
-          </a:p>
-          <a:p>
-            <a:pPr marL="0" indent="0" algn="just">
-              <a:buNone/>
-            </a:pPr>
-            <a:endParaRPr lang="es-ES" dirty="0"/>
-          </a:p>
-          <a:p>
-            <a:pPr marL="0" indent="0" algn="just">
-              <a:buNone/>
-            </a:pPr>
-            <a:r>
-              <a:rPr lang="es-ES" dirty="0"/>
-              <a:t>En este proyecto se ha priorizado la creación de una interfaz intuitiva, coherente y agradable. Prestando especial atención a los elementos visuales, el uso adecuado de colores, tipografías y el espaciado, con el objetivo de optimizar la usabilidad y accesibilidad del sistema. </a:t>
-            </a:r>
-          </a:p>
-        </p:txBody>
-      </p:sp>
       <p:pic>
         <p:nvPicPr>
           <p:cNvPr id="9" name="Imagen 8">
@@ -8091,8 +8104,8 @@
         </p:blipFill>
         <p:spPr>
           <a:xfrm>
-            <a:off x="7841092" y="1131897"/>
-            <a:ext cx="3940988" cy="2481377"/>
+            <a:off x="677882" y="3581400"/>
+            <a:ext cx="4776733" cy="3007590"/>
           </a:xfrm>
           <a:prstGeom prst="rect">
             <a:avLst/>
@@ -8127,14 +8140,279 @@
         </p:blipFill>
         <p:spPr>
           <a:xfrm>
-            <a:off x="7845364" y="3991556"/>
-            <a:ext cx="3936716" cy="2481376"/>
+            <a:off x="5765971" y="3581234"/>
+            <a:ext cx="4776732" cy="3010852"/>
           </a:xfrm>
           <a:prstGeom prst="rect">
             <a:avLst/>
           </a:prstGeom>
         </p:spPr>
       </p:pic>
+      <p:sp>
+        <p:nvSpPr>
+          <p:cNvPr id="4" name="Marcador de contenido 2">
+            <a:extLst>
+              <a:ext uri="{FF2B5EF4-FFF2-40B4-BE49-F238E27FC236}">
+                <a16:creationId xmlns:a16="http://schemas.microsoft.com/office/drawing/2014/main" id="{F37D8458-594F-7B56-C5E6-D64288B033DA}"/>
+              </a:ext>
+            </a:extLst>
+          </p:cNvPr>
+          <p:cNvSpPr txBox="1">
+            <a:spLocks/>
+          </p:cNvSpPr>
+          <p:nvPr/>
+        </p:nvSpPr>
+        <p:spPr>
+          <a:xfrm>
+            <a:off x="677334" y="2160586"/>
+            <a:ext cx="8596668" cy="3880773"/>
+          </a:xfrm>
+          <a:prstGeom prst="rect">
+            <a:avLst/>
+          </a:prstGeom>
+        </p:spPr>
+        <p:txBody>
+          <a:bodyPr vert="horz" lIns="91440" tIns="45720" rIns="91440" bIns="45720" rtlCol="0">
+            <a:normAutofit/>
+          </a:bodyPr>
+          <a:lstStyle>
+            <a:lvl1pPr marL="342900" indent="-342900" algn="l" defTabSz="457200" rtl="0" eaLnBrk="1" latinLnBrk="0" hangingPunct="1">
+              <a:spcBef>
+                <a:spcPts val="1000"/>
+              </a:spcBef>
+              <a:spcAft>
+                <a:spcPts val="0"/>
+              </a:spcAft>
+              <a:buClr>
+                <a:schemeClr val="accent1"/>
+              </a:buClr>
+              <a:buSzPct val="80000"/>
+              <a:buFont typeface="Wingdings 3" charset="2"/>
+              <a:buChar char=""/>
+              <a:defRPr sz="1800" kern="1200">
+                <a:solidFill>
+                  <a:schemeClr val="tx1">
+                    <a:lumMod val="75000"/>
+                    <a:lumOff val="25000"/>
+                  </a:schemeClr>
+                </a:solidFill>
+                <a:latin typeface="+mn-lt"/>
+                <a:ea typeface="+mn-ea"/>
+                <a:cs typeface="+mn-cs"/>
+              </a:defRPr>
+            </a:lvl1pPr>
+            <a:lvl2pPr marL="742950" indent="-285750" algn="l" defTabSz="457200" rtl="0" eaLnBrk="1" latinLnBrk="0" hangingPunct="1">
+              <a:spcBef>
+                <a:spcPts val="1000"/>
+              </a:spcBef>
+              <a:spcAft>
+                <a:spcPts val="0"/>
+              </a:spcAft>
+              <a:buClr>
+                <a:schemeClr val="accent1"/>
+              </a:buClr>
+              <a:buSzPct val="80000"/>
+              <a:buFont typeface="Wingdings 3" charset="2"/>
+              <a:buChar char=""/>
+              <a:defRPr sz="1600" kern="1200">
+                <a:solidFill>
+                  <a:schemeClr val="tx1">
+                    <a:lumMod val="75000"/>
+                    <a:lumOff val="25000"/>
+                  </a:schemeClr>
+                </a:solidFill>
+                <a:latin typeface="+mn-lt"/>
+                <a:ea typeface="+mn-ea"/>
+                <a:cs typeface="+mn-cs"/>
+              </a:defRPr>
+            </a:lvl2pPr>
+            <a:lvl3pPr marL="1143000" indent="-228600" algn="l" defTabSz="457200" rtl="0" eaLnBrk="1" latinLnBrk="0" hangingPunct="1">
+              <a:spcBef>
+                <a:spcPts val="1000"/>
+              </a:spcBef>
+              <a:spcAft>
+                <a:spcPts val="0"/>
+              </a:spcAft>
+              <a:buClr>
+                <a:schemeClr val="accent1"/>
+              </a:buClr>
+              <a:buSzPct val="80000"/>
+              <a:buFont typeface="Wingdings 3" charset="2"/>
+              <a:buChar char=""/>
+              <a:defRPr sz="1400" kern="1200">
+                <a:solidFill>
+                  <a:schemeClr val="tx1">
+                    <a:lumMod val="75000"/>
+                    <a:lumOff val="25000"/>
+                  </a:schemeClr>
+                </a:solidFill>
+                <a:latin typeface="+mn-lt"/>
+                <a:ea typeface="+mn-ea"/>
+                <a:cs typeface="+mn-cs"/>
+              </a:defRPr>
+            </a:lvl3pPr>
+            <a:lvl4pPr marL="1600200" indent="-228600" algn="l" defTabSz="457200" rtl="0" eaLnBrk="1" latinLnBrk="0" hangingPunct="1">
+              <a:spcBef>
+                <a:spcPts val="1000"/>
+              </a:spcBef>
+              <a:spcAft>
+                <a:spcPts val="0"/>
+              </a:spcAft>
+              <a:buClr>
+                <a:schemeClr val="accent1"/>
+              </a:buClr>
+              <a:buSzPct val="80000"/>
+              <a:buFont typeface="Wingdings 3" charset="2"/>
+              <a:buChar char=""/>
+              <a:defRPr sz="1200" kern="1200">
+                <a:solidFill>
+                  <a:schemeClr val="tx1">
+                    <a:lumMod val="75000"/>
+                    <a:lumOff val="25000"/>
+                  </a:schemeClr>
+                </a:solidFill>
+                <a:latin typeface="+mn-lt"/>
+                <a:ea typeface="+mn-ea"/>
+                <a:cs typeface="+mn-cs"/>
+              </a:defRPr>
+            </a:lvl4pPr>
+            <a:lvl5pPr marL="2057400" indent="-228600" algn="l" defTabSz="457200" rtl="0" eaLnBrk="1" latinLnBrk="0" hangingPunct="1">
+              <a:spcBef>
+                <a:spcPts val="1000"/>
+              </a:spcBef>
+              <a:spcAft>
+                <a:spcPts val="0"/>
+              </a:spcAft>
+              <a:buClr>
+                <a:schemeClr val="accent1"/>
+              </a:buClr>
+              <a:buSzPct val="80000"/>
+              <a:buFont typeface="Wingdings 3" charset="2"/>
+              <a:buChar char=""/>
+              <a:defRPr sz="1200" kern="1200">
+                <a:solidFill>
+                  <a:schemeClr val="tx1">
+                    <a:lumMod val="75000"/>
+                    <a:lumOff val="25000"/>
+                  </a:schemeClr>
+                </a:solidFill>
+                <a:latin typeface="+mn-lt"/>
+                <a:ea typeface="+mn-ea"/>
+                <a:cs typeface="+mn-cs"/>
+              </a:defRPr>
+            </a:lvl5pPr>
+            <a:lvl6pPr marL="2514600" indent="-228600" algn="l" defTabSz="457200" rtl="0" eaLnBrk="1" latinLnBrk="0" hangingPunct="1">
+              <a:spcBef>
+                <a:spcPts val="1000"/>
+              </a:spcBef>
+              <a:spcAft>
+                <a:spcPts val="0"/>
+              </a:spcAft>
+              <a:buClr>
+                <a:schemeClr val="accent1"/>
+              </a:buClr>
+              <a:buSzPct val="80000"/>
+              <a:buFont typeface="Wingdings 3" charset="2"/>
+              <a:buChar char=""/>
+              <a:defRPr sz="1200" kern="1200">
+                <a:solidFill>
+                  <a:schemeClr val="tx1">
+                    <a:lumMod val="75000"/>
+                    <a:lumOff val="25000"/>
+                  </a:schemeClr>
+                </a:solidFill>
+                <a:latin typeface="+mn-lt"/>
+                <a:ea typeface="+mn-ea"/>
+                <a:cs typeface="+mn-cs"/>
+              </a:defRPr>
+            </a:lvl6pPr>
+            <a:lvl7pPr marL="2971800" indent="-228600" algn="l" defTabSz="457200" rtl="0" eaLnBrk="1" latinLnBrk="0" hangingPunct="1">
+              <a:spcBef>
+                <a:spcPts val="1000"/>
+              </a:spcBef>
+              <a:spcAft>
+                <a:spcPts val="0"/>
+              </a:spcAft>
+              <a:buClr>
+                <a:schemeClr val="accent1"/>
+              </a:buClr>
+              <a:buSzPct val="80000"/>
+              <a:buFont typeface="Wingdings 3" charset="2"/>
+              <a:buChar char=""/>
+              <a:defRPr sz="1200" kern="1200">
+                <a:solidFill>
+                  <a:schemeClr val="tx1">
+                    <a:lumMod val="75000"/>
+                    <a:lumOff val="25000"/>
+                  </a:schemeClr>
+                </a:solidFill>
+                <a:latin typeface="+mn-lt"/>
+                <a:ea typeface="+mn-ea"/>
+                <a:cs typeface="+mn-cs"/>
+              </a:defRPr>
+            </a:lvl7pPr>
+            <a:lvl8pPr marL="3429000" indent="-228600" algn="l" defTabSz="457200" rtl="0" eaLnBrk="1" latinLnBrk="0" hangingPunct="1">
+              <a:spcBef>
+                <a:spcPts val="1000"/>
+              </a:spcBef>
+              <a:spcAft>
+                <a:spcPts val="0"/>
+              </a:spcAft>
+              <a:buClr>
+                <a:schemeClr val="accent1"/>
+              </a:buClr>
+              <a:buSzPct val="80000"/>
+              <a:buFont typeface="Wingdings 3" charset="2"/>
+              <a:buChar char=""/>
+              <a:defRPr sz="1200" kern="1200">
+                <a:solidFill>
+                  <a:schemeClr val="tx1">
+                    <a:lumMod val="75000"/>
+                    <a:lumOff val="25000"/>
+                  </a:schemeClr>
+                </a:solidFill>
+                <a:latin typeface="+mn-lt"/>
+                <a:ea typeface="+mn-ea"/>
+                <a:cs typeface="+mn-cs"/>
+              </a:defRPr>
+            </a:lvl8pPr>
+            <a:lvl9pPr marL="3886200" indent="-228600" algn="l" defTabSz="457200" rtl="0" eaLnBrk="1" latinLnBrk="0" hangingPunct="1">
+              <a:spcBef>
+                <a:spcPts val="1000"/>
+              </a:spcBef>
+              <a:spcAft>
+                <a:spcPts val="0"/>
+              </a:spcAft>
+              <a:buClr>
+                <a:schemeClr val="accent1"/>
+              </a:buClr>
+              <a:buSzPct val="80000"/>
+              <a:buFont typeface="Wingdings 3" charset="2"/>
+              <a:buChar char=""/>
+              <a:defRPr sz="1200" kern="1200">
+                <a:solidFill>
+                  <a:schemeClr val="tx1">
+                    <a:lumMod val="75000"/>
+                    <a:lumOff val="25000"/>
+                  </a:schemeClr>
+                </a:solidFill>
+                <a:latin typeface="+mn-lt"/>
+                <a:ea typeface="+mn-ea"/>
+                <a:cs typeface="+mn-cs"/>
+              </a:defRPr>
+            </a:lvl9pPr>
+          </a:lstStyle>
+          <a:p>
+            <a:pPr marL="0" indent="0" algn="just">
+              <a:buNone/>
+            </a:pPr>
+            <a:r>
+              <a:rPr lang="es-ES" dirty="0"/>
+              <a:t>En este proyecto se ha priorizado la creación de una interfaz intuitiva, coherente y agradable. Prestando especial atención a los elementos visuales, el uso adecuado de colores, tipografías y el espaciado, con el objetivo de optimizar la usabilidad y accesibilidad del sistema.</a:t>
+            </a:r>
+          </a:p>
+        </p:txBody>
+      </p:sp>
     </p:spTree>
     <p:extLst>
       <p:ext uri="{BB962C8B-B14F-4D97-AF65-F5344CB8AC3E}">

--- a/Presentacion Library Manager - David Beamonde.pptx
+++ b/Presentacion Library Manager - David Beamonde.pptx
@@ -846,7 +846,7 @@
           <a:p>
             <a:fld id="{44613287-654E-4652-8531-A9990BD5E86A}" type="datetimeFigureOut">
               <a:rPr lang="es-ES" smtClean="0"/>
-              <a:t>04/06/2025</a:t>
+              <a:t>05/06/2025</a:t>
             </a:fld>
             <a:endParaRPr lang="es-ES"/>
           </a:p>
@@ -1097,7 +1097,7 @@
           <a:p>
             <a:fld id="{44613287-654E-4652-8531-A9990BD5E86A}" type="datetimeFigureOut">
               <a:rPr lang="es-ES" smtClean="0"/>
-              <a:t>04/06/2025</a:t>
+              <a:t>05/06/2025</a:t>
             </a:fld>
             <a:endParaRPr lang="es-ES"/>
           </a:p>
@@ -1411,7 +1411,7 @@
           <a:p>
             <a:fld id="{44613287-654E-4652-8531-A9990BD5E86A}" type="datetimeFigureOut">
               <a:rPr lang="es-ES" smtClean="0"/>
-              <a:t>04/06/2025</a:t>
+              <a:t>05/06/2025</a:t>
             </a:fld>
             <a:endParaRPr lang="es-ES"/>
           </a:p>
@@ -1752,7 +1752,7 @@
           <a:p>
             <a:fld id="{44613287-654E-4652-8531-A9990BD5E86A}" type="datetimeFigureOut">
               <a:rPr lang="es-ES" smtClean="0"/>
-              <a:t>04/06/2025</a:t>
+              <a:t>05/06/2025</a:t>
             </a:fld>
             <a:endParaRPr lang="es-ES"/>
           </a:p>
@@ -2066,7 +2066,7 @@
           <a:p>
             <a:fld id="{44613287-654E-4652-8531-A9990BD5E86A}" type="datetimeFigureOut">
               <a:rPr lang="es-ES" smtClean="0"/>
-              <a:t>04/06/2025</a:t>
+              <a:t>05/06/2025</a:t>
             </a:fld>
             <a:endParaRPr lang="es-ES"/>
           </a:p>
@@ -2459,7 +2459,7 @@
           <a:p>
             <a:fld id="{44613287-654E-4652-8531-A9990BD5E86A}" type="datetimeFigureOut">
               <a:rPr lang="es-ES" smtClean="0"/>
-              <a:t>04/06/2025</a:t>
+              <a:t>05/06/2025</a:t>
             </a:fld>
             <a:endParaRPr lang="es-ES"/>
           </a:p>
@@ -2629,7 +2629,7 @@
           <a:p>
             <a:fld id="{44613287-654E-4652-8531-A9990BD5E86A}" type="datetimeFigureOut">
               <a:rPr lang="es-ES" smtClean="0"/>
-              <a:t>04/06/2025</a:t>
+              <a:t>05/06/2025</a:t>
             </a:fld>
             <a:endParaRPr lang="es-ES"/>
           </a:p>
@@ -2809,7 +2809,7 @@
           <a:p>
             <a:fld id="{44613287-654E-4652-8531-A9990BD5E86A}" type="datetimeFigureOut">
               <a:rPr lang="es-ES" smtClean="0"/>
-              <a:t>04/06/2025</a:t>
+              <a:t>05/06/2025</a:t>
             </a:fld>
             <a:endParaRPr lang="es-ES"/>
           </a:p>
@@ -2985,7 +2985,7 @@
           <a:p>
             <a:fld id="{44613287-654E-4652-8531-A9990BD5E86A}" type="datetimeFigureOut">
               <a:rPr lang="es-ES" smtClean="0"/>
-              <a:t>04/06/2025</a:t>
+              <a:t>05/06/2025</a:t>
             </a:fld>
             <a:endParaRPr lang="es-ES"/>
           </a:p>
@@ -3232,7 +3232,7 @@
           <a:p>
             <a:fld id="{44613287-654E-4652-8531-A9990BD5E86A}" type="datetimeFigureOut">
               <a:rPr lang="es-ES" smtClean="0"/>
-              <a:t>04/06/2025</a:t>
+              <a:t>05/06/2025</a:t>
             </a:fld>
             <a:endParaRPr lang="es-ES"/>
           </a:p>
@@ -3464,7 +3464,7 @@
           <a:p>
             <a:fld id="{44613287-654E-4652-8531-A9990BD5E86A}" type="datetimeFigureOut">
               <a:rPr lang="es-ES" smtClean="0"/>
-              <a:t>04/06/2025</a:t>
+              <a:t>05/06/2025</a:t>
             </a:fld>
             <a:endParaRPr lang="es-ES"/>
           </a:p>
@@ -3838,7 +3838,7 @@
           <a:p>
             <a:fld id="{44613287-654E-4652-8531-A9990BD5E86A}" type="datetimeFigureOut">
               <a:rPr lang="es-ES" smtClean="0"/>
-              <a:t>04/06/2025</a:t>
+              <a:t>05/06/2025</a:t>
             </a:fld>
             <a:endParaRPr lang="es-ES"/>
           </a:p>
@@ -3961,7 +3961,7 @@
           <a:p>
             <a:fld id="{44613287-654E-4652-8531-A9990BD5E86A}" type="datetimeFigureOut">
               <a:rPr lang="es-ES" smtClean="0"/>
-              <a:t>04/06/2025</a:t>
+              <a:t>05/06/2025</a:t>
             </a:fld>
             <a:endParaRPr lang="es-ES"/>
           </a:p>
@@ -4056,7 +4056,7 @@
           <a:p>
             <a:fld id="{44613287-654E-4652-8531-A9990BD5E86A}" type="datetimeFigureOut">
               <a:rPr lang="es-ES" smtClean="0"/>
-              <a:t>04/06/2025</a:t>
+              <a:t>05/06/2025</a:t>
             </a:fld>
             <a:endParaRPr lang="es-ES"/>
           </a:p>
@@ -4311,7 +4311,7 @@
           <a:p>
             <a:fld id="{44613287-654E-4652-8531-A9990BD5E86A}" type="datetimeFigureOut">
               <a:rPr lang="es-ES" smtClean="0"/>
-              <a:t>04/06/2025</a:t>
+              <a:t>05/06/2025</a:t>
             </a:fld>
             <a:endParaRPr lang="es-ES"/>
           </a:p>
@@ -4574,7 +4574,7 @@
           <a:p>
             <a:fld id="{44613287-654E-4652-8531-A9990BD5E86A}" type="datetimeFigureOut">
               <a:rPr lang="es-ES" smtClean="0"/>
-              <a:t>04/06/2025</a:t>
+              <a:t>05/06/2025</a:t>
             </a:fld>
             <a:endParaRPr lang="es-ES"/>
           </a:p>
@@ -5317,7 +5317,7 @@
           <a:p>
             <a:fld id="{44613287-654E-4652-8531-A9990BD5E86A}" type="datetimeFigureOut">
               <a:rPr lang="es-ES" smtClean="0"/>
-              <a:t>04/06/2025</a:t>
+              <a:t>05/06/2025</a:t>
             </a:fld>
             <a:endParaRPr lang="es-ES"/>
           </a:p>
@@ -6921,7 +6921,7 @@
         </p:blipFill>
         <p:spPr bwMode="auto">
           <a:xfrm>
-            <a:off x="8959725" y="4050552"/>
+            <a:off x="8450361" y="3890993"/>
             <a:ext cx="2752165" cy="2752165"/>
           </a:xfrm>
           <a:prstGeom prst="rect">
@@ -6968,7 +6968,7 @@
         </p:blipFill>
         <p:spPr bwMode="auto">
           <a:xfrm>
-            <a:off x="677334" y="3707527"/>
+            <a:off x="989474" y="3647762"/>
             <a:ext cx="3202641" cy="3238626"/>
           </a:xfrm>
           <a:prstGeom prst="rect">
@@ -7103,21 +7103,6 @@
               <a:t> que facilitan el desarrollo de aplicaciones robustas y escalables.</a:t>
             </a:r>
           </a:p>
-          <a:p>
-            <a:pPr marL="0" indent="0">
-              <a:buNone/>
-            </a:pPr>
-            <a:r>
-              <a:rPr lang="es-ES" dirty="0"/>
-              <a:t>Gracias a su orientación a objetos, el código es más organizado, reutilizable y fácil de mantener.</a:t>
-            </a:r>
-          </a:p>
-          <a:p>
-            <a:pPr marL="0" indent="0">
-              <a:buNone/>
-            </a:pPr>
-            <a:endParaRPr lang="es-ES" dirty="0"/>
-          </a:p>
         </p:txBody>
       </p:sp>
       <p:pic>
@@ -7149,8 +7134,8 @@
         </p:blipFill>
         <p:spPr bwMode="auto">
           <a:xfrm>
-            <a:off x="6564702" y="4274388"/>
-            <a:ext cx="2389518" cy="2277374"/>
+            <a:off x="6222830" y="3948560"/>
+            <a:ext cx="2731390" cy="2603202"/>
           </a:xfrm>
           <a:prstGeom prst="rect">
             <a:avLst/>
@@ -7451,16 +7436,7 @@
             </a:pPr>
             <a:r>
               <a:rPr lang="es-ES" dirty="0"/>
-              <a:t>Ofrece controles UI avanzados y la posibilidad de aplicar estilos mediante CSS.</a:t>
-            </a:r>
-          </a:p>
-          <a:p>
-            <a:pPr marL="0" indent="0">
-              <a:buNone/>
-            </a:pPr>
-            <a:r>
-              <a:rPr lang="es-ES" dirty="0"/>
-              <a:t> Además, permite separar la lógica del diseño usando archivos FXML, lo que mejora la organización del código y facilita el mantenimiento y la escalabilidad de la aplicación.</a:t>
+              <a:t>Además, permite separar la lógica del diseño usando archivos FXML, lo que mejora la organización del código y facilita el mantenimiento y la escalabilidad de la aplicación.</a:t>
             </a:r>
           </a:p>
           <a:p>
@@ -8500,23 +8476,91 @@
               <a:t>La aplicación está creada siguiendo el patrón de arquitectura Modelo-Vista-Controlador (MVC), el cual permite una separación clara entre la lógica de negocio, la interfaz gráfica y el control del flujo de la aplicación.</a:t>
             </a:r>
           </a:p>
-          <a:p>
-            <a:pPr marL="0" indent="0" algn="just">
-              <a:buNone/>
-            </a:pPr>
-            <a:endParaRPr lang="es-ES" dirty="0"/>
-          </a:p>
-          <a:p>
-            <a:pPr marL="0" indent="0" algn="just">
-              <a:buNone/>
-            </a:pPr>
-            <a:r>
-              <a:rPr lang="es-ES" dirty="0"/>
-              <a:t>Tiene una interfaz similar para todas las ventanas en cada apartado. Incluye un controlador general para cada una de las ventanas y un sub controlador para cada una de las funciones como registrar, modificar y eliminar. El apartado de libros también tiene una función extra que sirve para consultar.</a:t>
-            </a:r>
-          </a:p>
-        </p:txBody>
-      </p:sp>
+        </p:txBody>
+      </p:sp>
+      <p:pic>
+        <p:nvPicPr>
+          <p:cNvPr id="1026" name="Picture 2" descr="Funcionalidad - Iconos gratis de diverso">
+            <a:extLst>
+              <a:ext uri="{FF2B5EF4-FFF2-40B4-BE49-F238E27FC236}">
+                <a16:creationId xmlns:a16="http://schemas.microsoft.com/office/drawing/2014/main" id="{FD22CF42-C1AE-2316-2E06-1114ABE6DE9C}"/>
+              </a:ext>
+            </a:extLst>
+          </p:cNvPr>
+          <p:cNvPicPr>
+            <a:picLocks noChangeAspect="1" noChangeArrowheads="1"/>
+          </p:cNvPicPr>
+          <p:nvPr/>
+        </p:nvPicPr>
+        <p:blipFill>
+          <a:blip r:embed="rId2">
+            <a:extLst>
+              <a:ext uri="{28A0092B-C50C-407E-A947-70E740481C1C}">
+                <a14:useLocalDpi xmlns:a14="http://schemas.microsoft.com/office/drawing/2010/main" val="0"/>
+              </a:ext>
+            </a:extLst>
+          </a:blip>
+          <a:srcRect/>
+          <a:stretch>
+            <a:fillRect/>
+          </a:stretch>
+        </p:blipFill>
+        <p:spPr bwMode="auto">
+          <a:xfrm>
+            <a:off x="7642731" y="3685332"/>
+            <a:ext cx="2773885" cy="2773885"/>
+          </a:xfrm>
+          <a:prstGeom prst="rect">
+            <a:avLst/>
+          </a:prstGeom>
+          <a:noFill/>
+          <a:extLst>
+            <a:ext uri="{909E8E84-426E-40DD-AFC4-6F175D3DCCD1}">
+              <a14:hiddenFill xmlns:a14="http://schemas.microsoft.com/office/drawing/2010/main">
+                <a:solidFill>
+                  <a:srgbClr val="FFFFFF"/>
+                </a:solidFill>
+              </a14:hiddenFill>
+            </a:ext>
+          </a:extLst>
+        </p:spPr>
+      </p:pic>
+      <p:pic>
+        <p:nvPicPr>
+          <p:cNvPr id="7" name="Imagen 6" descr="Diagrama&#10;&#10;El contenido generado por IA puede ser incorrecto.">
+            <a:extLst>
+              <a:ext uri="{FF2B5EF4-FFF2-40B4-BE49-F238E27FC236}">
+                <a16:creationId xmlns:a16="http://schemas.microsoft.com/office/drawing/2014/main" id="{4D3333B9-6AF8-25A2-E01F-0446A9E6C502}"/>
+              </a:ext>
+            </a:extLst>
+          </p:cNvPr>
+          <p:cNvPicPr>
+            <a:picLocks noChangeAspect="1"/>
+          </p:cNvPicPr>
+          <p:nvPr/>
+        </p:nvPicPr>
+        <p:blipFill>
+          <a:blip r:embed="rId3">
+            <a:extLst>
+              <a:ext uri="{28A0092B-C50C-407E-A947-70E740481C1C}">
+                <a14:useLocalDpi xmlns:a14="http://schemas.microsoft.com/office/drawing/2010/main" val="0"/>
+              </a:ext>
+            </a:extLst>
+          </a:blip>
+          <a:stretch>
+            <a:fillRect/>
+          </a:stretch>
+        </p:blipFill>
+        <p:spPr>
+          <a:xfrm>
+            <a:off x="677334" y="3540446"/>
+            <a:ext cx="3429287" cy="2869403"/>
+          </a:xfrm>
+          <a:prstGeom prst="rect">
+            <a:avLst/>
+          </a:prstGeom>
+        </p:spPr>
+      </p:pic>
     </p:spTree>
     <p:extLst>
       <p:ext uri="{BB962C8B-B14F-4D97-AF65-F5344CB8AC3E}">
